--- a/черновик/Skolkovo_Junior_Challenge.pptx
+++ b/черновик/Skolkovo_Junior_Challenge.pptx
@@ -144,6 +144,119 @@
     </p:ext>
   </p:extLst>
 </p:presentation>
+</file>
+
+<file path=ppt/commentAuthors.xml><?xml version="1.0" encoding="utf-8"?>
+<p:cmAuthorLst xmlns:a="http://schemas.openxmlformats.org/drawingml/2006/main" xmlns:r="http://schemas.openxmlformats.org/officeDocument/2006/relationships" xmlns:p="http://schemas.openxmlformats.org/presentationml/2006/main">
+  <p:cmAuthor id="2" name="Автор" initials="A" lastIdx="34" clrIdx="1"/>
+</p:cmAuthorLst>
+</file>
+
+<file path=ppt/comments/comment1.xml><?xml version="1.0" encoding="utf-8"?>
+<p:cmLst xmlns:a="http://schemas.openxmlformats.org/drawingml/2006/main" xmlns:r="http://schemas.openxmlformats.org/officeDocument/2006/relationships" xmlns:p="http://schemas.openxmlformats.org/presentationml/2006/main">
+  <p:cm authorId="2" dt="2021-03-10T18:20:29.272" idx="8">
+    <p:pos x="3249" y="2232"/>
+    <p:text/>
+    <p:extLst>
+      <p:ext uri="{C676402C-5697-4E1C-873F-D02D1690AC5C}">
+        <p15:threadingInfo xmlns:p15="http://schemas.microsoft.com/office/powerpoint/2012/main" timeZoneBias="-600"/>
+      </p:ext>
+    </p:extLst>
+  </p:cm>
+  <p:cm authorId="2" dt="2021-03-10T18:21:29.147" idx="10">
+    <p:pos x="3294" y="3719"/>
+    <p:text>чего?</p:text>
+    <p:extLst>
+      <p:ext uri="{C676402C-5697-4E1C-873F-D02D1690AC5C}">
+        <p15:threadingInfo xmlns:p15="http://schemas.microsoft.com/office/powerpoint/2012/main" timeZoneBias="-600"/>
+      </p:ext>
+    </p:extLst>
+  </p:cm>
+</p:cmLst>
+</file>
+
+<file path=ppt/comments/comment2.xml><?xml version="1.0" encoding="utf-8"?>
+<p:cmLst xmlns:a="http://schemas.openxmlformats.org/drawingml/2006/main" xmlns:r="http://schemas.openxmlformats.org/officeDocument/2006/relationships" xmlns:p="http://schemas.openxmlformats.org/presentationml/2006/main">
+  <p:cm authorId="2" dt="2021-03-10T18:21:55.756" idx="11">
+    <p:pos x="4123" y="819"/>
+    <p:text>достаточно внести слайд с картинкой кубсата без солнечных панелек и указать бортовые системы</p:text>
+    <p:extLst>
+      <p:ext uri="{C676402C-5697-4E1C-873F-D02D1690AC5C}">
+        <p15:threadingInfo xmlns:p15="http://schemas.microsoft.com/office/powerpoint/2012/main" timeZoneBias="-600"/>
+      </p:ext>
+    </p:extLst>
+  </p:cm>
+</p:cmLst>
+</file>
+
+<file path=ppt/comments/comment3.xml><?xml version="1.0" encoding="utf-8"?>
+<p:cmLst xmlns:a="http://schemas.openxmlformats.org/drawingml/2006/main" xmlns:r="http://schemas.openxmlformats.org/officeDocument/2006/relationships" xmlns:p="http://schemas.openxmlformats.org/presentationml/2006/main">
+  <p:cm authorId="2" dt="2021-03-10T18:23:19.881" idx="12">
+    <p:pos x="5113" y="1718"/>
+    <p:text>не совсем понятно, нопишите понятными словами, если знаете терминологию, ок, если нет, то используйте простые слова "вращающаяся часть", обрабатывающая головка и тд и тп</p:text>
+    <p:extLst>
+      <p:ext uri="{C676402C-5697-4E1C-873F-D02D1690AC5C}">
+        <p15:threadingInfo xmlns:p15="http://schemas.microsoft.com/office/powerpoint/2012/main" timeZoneBias="-600"/>
+      </p:ext>
+    </p:extLst>
+  </p:cm>
+</p:cmLst>
+</file>
+
+<file path=ppt/comments/comment4.xml><?xml version="1.0" encoding="utf-8"?>
+<p:cmLst xmlns:a="http://schemas.openxmlformats.org/drawingml/2006/main" xmlns:r="http://schemas.openxmlformats.org/officeDocument/2006/relationships" xmlns:p="http://schemas.openxmlformats.org/presentationml/2006/main">
+  <p:cm authorId="2" dt="2021-03-10T18:24:49.150" idx="13">
+    <p:pos x="7326" y="1466"/>
+    <p:text>слишком мелкая схема или упростить или растянуть на весь слайд</p:text>
+    <p:extLst>
+      <p:ext uri="{C676402C-5697-4E1C-873F-D02D1690AC5C}">
+        <p15:threadingInfo xmlns:p15="http://schemas.microsoft.com/office/powerpoint/2012/main" timeZoneBias="-600"/>
+      </p:ext>
+    </p:extLst>
+  </p:cm>
+</p:cmLst>
+</file>
+
+<file path=ppt/comments/comment5.xml><?xml version="1.0" encoding="utf-8"?>
+<p:cmLst xmlns:a="http://schemas.openxmlformats.org/drawingml/2006/main" xmlns:r="http://schemas.openxmlformats.org/officeDocument/2006/relationships" xmlns:p="http://schemas.openxmlformats.org/presentationml/2006/main">
+  <p:cm authorId="2" dt="2021-03-10T18:53:07.415" idx="27">
+    <p:pos x="2516" y="286"/>
+    <p:text>Индустрия 4.0 – это рациональный, автоматизированный, современный подход к производству с применением киберфизических систем и автоматизации большинства производственных процессов.
+Принципы Индустрии 4.0
+1. Совместимость – все устройства и машины должны уметь общаться друг с другом на одном языке посредством интернета вещей, т.е. они должны быть совместимы.
+2. Прозрачность – создание цифровой копии продукта, сбор данных с микрочипов и датчиков посредством которых устройства общаются.
+3. Техническая поддержка – программное обеспечение производит сбор, анализ, систематизацию, визуализацию данных, полученных с датчиков, и помогает человеку принимать решение или принимает их в автоматическом режиме, тем самым высвобождая человеческие ресурсы.
+4. Децентрализация управленческих решений, автоматизация различных решений системами, максимально полное человекозамещение.</p:text>
+    <p:extLst>
+      <p:ext uri="{C676402C-5697-4E1C-873F-D02D1690AC5C}">
+        <p15:threadingInfo xmlns:p15="http://schemas.microsoft.com/office/powerpoint/2012/main" timeZoneBias="-600"/>
+      </p:ext>
+    </p:extLst>
+  </p:cm>
+</p:cmLst>
+</file>
+
+<file path=ppt/comments/comment6.xml><?xml version="1.0" encoding="utf-8"?>
+<p:cmLst xmlns:a="http://schemas.openxmlformats.org/drawingml/2006/main" xmlns:r="http://schemas.openxmlformats.org/officeDocument/2006/relationships" xmlns:p="http://schemas.openxmlformats.org/presentationml/2006/main">
+  <p:cm authorId="2" dt="2021-03-10T18:34:57.536" idx="23">
+    <p:pos x="3789" y="849"/>
+    <p:text>стоит формировать более абстрактные предложения, без местоимения мы</p:text>
+    <p:extLst>
+      <p:ext uri="{C676402C-5697-4E1C-873F-D02D1690AC5C}">
+        <p15:threadingInfo xmlns:p15="http://schemas.microsoft.com/office/powerpoint/2012/main" timeZoneBias="-600"/>
+      </p:ext>
+    </p:extLst>
+  </p:cm>
+  <p:cm authorId="2" dt="2021-03-10T18:35:50.128" idx="24">
+    <p:pos x="2405" y="2203"/>
+    <p:text>у вас УКВ, он любительский и бесплатный, а вот стоимость испытаний не учли</p:text>
+    <p:extLst>
+      <p:ext uri="{C676402C-5697-4E1C-873F-D02D1690AC5C}">
+        <p15:threadingInfo xmlns:p15="http://schemas.microsoft.com/office/powerpoint/2012/main" timeZoneBias="-600"/>
+      </p:ext>
+    </p:extLst>
+  </p:cm>
+</p:cmLst>
 </file>
 
 <file path=ppt/handoutMasters/handoutMaster1.xml><?xml version="1.0" encoding="utf-8"?>
@@ -4172,8 +4285,8 @@
         </p:nvSpPr>
         <p:spPr>
           <a:xfrm>
-            <a:off x="621804" y="5013176"/>
-            <a:ext cx="9997751" cy="1219200"/>
+            <a:off x="621804" y="5013175"/>
+            <a:ext cx="9997751" cy="1363779"/>
           </a:xfrm>
         </p:spPr>
         <p:txBody>
@@ -4228,20 +4341,10 @@
                   </a:outerShdw>
                 </a:effectLst>
               </a:rPr>
-              <a:t>Севрюк Даниил, </a:t>
-            </a:r>
-            <a:r>
-              <a:rPr lang="ru-RU" b="1" dirty="0" err="1">
-                <a:effectLst>
-                  <a:outerShdw blurRad="38100" dist="38100" dir="2700000" algn="tl">
-                    <a:srgbClr val="000000">
-                      <a:alpha val="43137"/>
-                    </a:srgbClr>
-                  </a:outerShdw>
-                </a:effectLst>
-              </a:rPr>
-              <a:t>степанюк</a:t>
-            </a:r>
+              <a:t>степанюк Аврора, Севрюк Даниил,</a:t>
+            </a:r>
+          </a:p>
+          <a:p>
             <a:r>
               <a:rPr lang="ru-RU" b="1" dirty="0">
                 <a:effectLst>
@@ -4252,67 +4355,7 @@
                   </a:outerShdw>
                 </a:effectLst>
               </a:rPr>
-              <a:t> Аврора,</a:t>
-            </a:r>
-            <a:endParaRPr lang="en-US" b="1" dirty="0">
-              <a:effectLst>
-                <a:outerShdw blurRad="38100" dist="38100" dir="2700000" algn="tl">
-                  <a:srgbClr val="000000">
-                    <a:alpha val="43137"/>
-                  </a:srgbClr>
-                </a:outerShdw>
-              </a:effectLst>
-            </a:endParaRPr>
-          </a:p>
-          <a:p>
-            <a:pPr rtl="0"/>
-            <a:r>
-              <a:rPr lang="ru-RU" b="1" dirty="0" err="1">
-                <a:effectLst>
-                  <a:outerShdw blurRad="38100" dist="38100" dir="2700000" algn="tl">
-                    <a:srgbClr val="000000">
-                      <a:alpha val="43137"/>
-                    </a:srgbClr>
-                  </a:outerShdw>
-                </a:effectLst>
-              </a:rPr>
-              <a:t>Мацаль</a:t>
-            </a:r>
-            <a:r>
-              <a:rPr lang="ru-RU" b="1" dirty="0">
-                <a:effectLst>
-                  <a:outerShdw blurRad="38100" dist="38100" dir="2700000" algn="tl">
-                    <a:srgbClr val="000000">
-                      <a:alpha val="43137"/>
-                    </a:srgbClr>
-                  </a:outerShdw>
-                </a:effectLst>
-              </a:rPr>
-              <a:t> Ева, </a:t>
-            </a:r>
-            <a:r>
-              <a:rPr lang="ru-RU" b="1" dirty="0" err="1">
-                <a:effectLst>
-                  <a:outerShdw blurRad="38100" dist="38100" dir="2700000" algn="tl">
-                    <a:srgbClr val="000000">
-                      <a:alpha val="43137"/>
-                    </a:srgbClr>
-                  </a:outerShdw>
-                </a:effectLst>
-              </a:rPr>
-              <a:t>Турейский</a:t>
-            </a:r>
-            <a:r>
-              <a:rPr lang="ru-RU" b="1" dirty="0">
-                <a:effectLst>
-                  <a:outerShdw blurRad="38100" dist="38100" dir="2700000" algn="tl">
-                    <a:srgbClr val="000000">
-                      <a:alpha val="43137"/>
-                    </a:srgbClr>
-                  </a:outerShdw>
-                </a:effectLst>
-              </a:rPr>
-              <a:t> Леонид.</a:t>
+              <a:t>Мацаль Ева, Турейский Леонид.</a:t>
             </a:r>
           </a:p>
         </p:txBody>
@@ -4363,7 +4406,7 @@
           <p:cNvPr id="5" name="Рисунок 4">
             <a:extLst>
               <a:ext uri="{FF2B5EF4-FFF2-40B4-BE49-F238E27FC236}">
-                <a16:creationId xmlns:a16="http://schemas.microsoft.com/office/drawing/2014/main" id="{93923A9B-EAAB-4D85-957D-B1F100185F6C}"/>
+                <a16:creationId xmlns:a16="http://schemas.microsoft.com/office/drawing/2014/main" id="{D5A70158-9ABF-46AD-B897-A5E110627F8E}"/>
               </a:ext>
             </a:extLst>
           </p:cNvPr>
@@ -4386,8 +4429,8 @@
         </p:blipFill>
         <p:spPr>
           <a:xfrm>
-            <a:off x="3117836" y="307764"/>
-            <a:ext cx="2664296" cy="1604440"/>
+            <a:off x="2959714" y="307764"/>
+            <a:ext cx="2660965" cy="1602434"/>
           </a:xfrm>
           <a:prstGeom prst="rect">
             <a:avLst/>
@@ -4497,13 +4540,13 @@
         </p:nvSpPr>
         <p:spPr>
           <a:xfrm>
-            <a:off x="909836" y="2457263"/>
-            <a:ext cx="5904656" cy="2735561"/>
+            <a:off x="909836" y="1628801"/>
+            <a:ext cx="5904656" cy="4392488"/>
           </a:xfrm>
         </p:spPr>
         <p:txBody>
           <a:bodyPr>
-            <a:normAutofit/>
+            <a:normAutofit fontScale="92500" lnSpcReduction="10000"/>
           </a:bodyPr>
           <a:lstStyle/>
           <a:p>
@@ -4515,7 +4558,7 @@
             </a:pPr>
             <a:r>
               <a:rPr lang="ru-RU" sz="2000" dirty="0"/>
-              <a:t>Мы выбрали алюминий Д16Т, как основу для корпуса </a:t>
+              <a:t>В результате анализа был определен наиболее подходящий материал для изготовления корпуса аппарата. Мы выбрали алюминий Д16Т, как основу для корпуса </a:t>
             </a:r>
             <a:r>
               <a:rPr lang="ru-RU" sz="2000" dirty="0" err="1"/>
@@ -4523,7 +4566,92 @@
             </a:r>
             <a:r>
               <a:rPr lang="ru-RU" sz="2000" dirty="0"/>
-              <a:t>, потому что у него: стабильная структура, высокие прочные характеристики, он легче остальных стальных изделий и повышенное сопротивление микроскопической деформации в процессе эксплуатации.  Покупка металла, его обработка и найм человека для литья корпуса обходиться примерно в 1200 рублей.</a:t>
+              <a:t>, потому что у него: </a:t>
+            </a:r>
+          </a:p>
+          <a:p>
+            <a:pPr algn="ctr">
+              <a:lnSpc>
+                <a:spcPct val="100000"/>
+              </a:lnSpc>
+            </a:pPr>
+            <a:r>
+              <a:rPr lang="ru-RU" sz="2000" dirty="0"/>
+              <a:t>стабильная структура</a:t>
+            </a:r>
+            <a:r>
+              <a:rPr lang="en-US" sz="2000" dirty="0"/>
+              <a:t>;</a:t>
+            </a:r>
+            <a:endParaRPr lang="ru-RU" sz="2000" dirty="0"/>
+          </a:p>
+          <a:p>
+            <a:pPr algn="ctr">
+              <a:lnSpc>
+                <a:spcPct val="100000"/>
+              </a:lnSpc>
+            </a:pPr>
+            <a:r>
+              <a:rPr lang="ru-RU" sz="2000" dirty="0"/>
+              <a:t>высокие прочные характеристики</a:t>
+            </a:r>
+            <a:r>
+              <a:rPr lang="en-US" sz="2000" dirty="0"/>
+              <a:t>;</a:t>
+            </a:r>
+            <a:r>
+              <a:rPr lang="ru-RU" sz="2000" dirty="0"/>
+              <a:t> </a:t>
+            </a:r>
+          </a:p>
+          <a:p>
+            <a:pPr algn="ctr">
+              <a:lnSpc>
+                <a:spcPct val="100000"/>
+              </a:lnSpc>
+            </a:pPr>
+            <a:r>
+              <a:rPr lang="ru-RU" sz="2000" dirty="0"/>
+              <a:t>легче остальных стальных изделий</a:t>
+            </a:r>
+            <a:r>
+              <a:rPr lang="en-US" sz="2000" dirty="0"/>
+              <a:t>;</a:t>
+            </a:r>
+            <a:r>
+              <a:rPr lang="ru-RU" sz="2000" dirty="0"/>
+              <a:t> </a:t>
+            </a:r>
+          </a:p>
+          <a:p>
+            <a:pPr algn="ctr">
+              <a:lnSpc>
+                <a:spcPct val="100000"/>
+              </a:lnSpc>
+            </a:pPr>
+            <a:r>
+              <a:rPr lang="ru-RU" sz="2000" dirty="0"/>
+              <a:t>повышенное сопротивление микроскопической деформации в процессе эксплуатации</a:t>
+            </a:r>
+            <a:r>
+              <a:rPr lang="en-US" sz="2000" dirty="0"/>
+              <a:t>;</a:t>
+            </a:r>
+            <a:r>
+              <a:rPr lang="ru-RU" sz="2000" dirty="0"/>
+              <a:t>  </a:t>
+            </a:r>
+          </a:p>
+          <a:p>
+            <a:pPr marL="0" indent="0" algn="ctr">
+              <a:lnSpc>
+                <a:spcPct val="100000"/>
+              </a:lnSpc>
+              <a:buNone/>
+            </a:pPr>
+            <a:r>
+              <a:rPr lang="ru-RU" sz="2000" dirty="0"/>
+              <a:t>Покупка металла, его обработка и найм человека для литья корпуса обходиться примерно в 12000 рублей.</a:t>
             </a:r>
           </a:p>
           <a:p>
@@ -4630,8 +4758,8 @@
         </p:nvSpPr>
         <p:spPr>
           <a:xfrm>
-            <a:off x="549796" y="1322766"/>
-            <a:ext cx="5904656" cy="4212468"/>
+            <a:off x="333772" y="1322766"/>
+            <a:ext cx="6120680" cy="4482498"/>
           </a:xfrm>
         </p:spPr>
         <p:txBody>
@@ -4640,21 +4768,46 @@
           <a:p>
             <a:r>
               <a:rPr lang="ru-RU" sz="2000" dirty="0"/>
-              <a:t> Так же мы выбрали именно такие служебные системы потому, что они являются основными составляющими </a:t>
-            </a:r>
-            <a:r>
-              <a:rPr lang="ru-RU" sz="2000" dirty="0" err="1"/>
-              <a:t>кубсата</a:t>
+              <a:t> Так же мы выбрали именно такие служебные системы потому, что они являются основными составляющими космического аппарата и более выгодными. Общая стоимость служебных систем обойдется в </a:t>
+            </a:r>
+            <a:r>
+              <a:rPr lang="ru-RU" sz="2000" dirty="0">
+                <a:latin typeface="Arial" panose="020B0604020202020204" pitchFamily="34" charset="0"/>
+                <a:cs typeface="Arial" panose="020B0604020202020204" pitchFamily="34" charset="0"/>
+              </a:rPr>
+              <a:t>3.219.290</a:t>
             </a:r>
             <a:r>
               <a:rPr lang="ru-RU" sz="2000" dirty="0"/>
-              <a:t> и более выгодными. Общая стоимость служебных систем обойдется в 3219290 рублей.</a:t>
+              <a:t> рублей.</a:t>
             </a:r>
           </a:p>
           <a:p>
             <a:r>
               <a:rPr lang="ru-RU" sz="2000" dirty="0"/>
-              <a:t>Стоимость блока оценивается в 753100 рублей. Стоимость полосы пропускания в месяц обходится в 260530 рублей. Цена транспортировки и отправки в космос составляет около 1118300 рублей. </a:t>
+              <a:t>Стоимость блока оценивается в 753100 рублей. Стоимость полосы пропускания в месяц обходится в </a:t>
+            </a:r>
+            <a:r>
+              <a:rPr lang="ru-RU" sz="2000" dirty="0">
+                <a:latin typeface="Arial" panose="020B0604020202020204" pitchFamily="34" charset="0"/>
+                <a:cs typeface="Arial" panose="020B0604020202020204" pitchFamily="34" charset="0"/>
+              </a:rPr>
+              <a:t>260.530</a:t>
+            </a:r>
+            <a:r>
+              <a:rPr lang="ru-RU" sz="2000" dirty="0"/>
+              <a:t> рублей. Цена транспортировки и отправки в космос составляет около </a:t>
+            </a:r>
+            <a:r>
+              <a:rPr lang="ru-RU" sz="2000" dirty="0">
+                <a:latin typeface="Arial" panose="020B0604020202020204" pitchFamily="34" charset="0"/>
+                <a:cs typeface="Arial" panose="020B0604020202020204" pitchFamily="34" charset="0"/>
+              </a:rPr>
+              <a:t>1.118.300</a:t>
+            </a:r>
+            <a:r>
+              <a:rPr lang="ru-RU" sz="2000" dirty="0"/>
+              <a:t> рублей. </a:t>
             </a:r>
           </a:p>
           <a:p>
@@ -4668,7 +4821,18 @@
             </a:r>
             <a:r>
               <a:rPr lang="ru-RU" sz="2000" dirty="0"/>
-              <a:t> в космос оценивается в 5352425 рублей.</a:t>
+              <a:t> в космос оценивается в </a:t>
+            </a:r>
+            <a:r>
+              <a:rPr lang="ru-RU" sz="2000" dirty="0">
+                <a:latin typeface="Arial" panose="020B0604020202020204" pitchFamily="34" charset="0"/>
+                <a:cs typeface="Arial" panose="020B0604020202020204" pitchFamily="34" charset="0"/>
+              </a:rPr>
+              <a:t>5.352.425 </a:t>
+            </a:r>
+            <a:r>
+              <a:rPr lang="ru-RU" sz="2000" dirty="0"/>
+              <a:t>рублей.</a:t>
             </a:r>
           </a:p>
           <a:p>
@@ -5061,8 +5225,35 @@
                   </a:schemeClr>
                 </a:solidFill>
               </a:rPr>
-              <a:t>Проектирование и производство кубсатов</a:t>
-            </a:r>
+              <a:t>Проектирование и производство</a:t>
+            </a:r>
+            <a:r>
+              <a:rPr lang="en-US" sz="1600" b="1" dirty="0">
+                <a:solidFill>
+                  <a:schemeClr val="tx2">
+                    <a:lumMod val="10000"/>
+                  </a:schemeClr>
+                </a:solidFill>
+              </a:rPr>
+              <a:t> </a:t>
+            </a:r>
+            <a:r>
+              <a:rPr lang="en-US" sz="1600" b="1" dirty="0" err="1">
+                <a:solidFill>
+                  <a:schemeClr val="tx2">
+                    <a:lumMod val="10000"/>
+                  </a:schemeClr>
+                </a:solidFill>
+              </a:rPr>
+              <a:t>Cubesat</a:t>
+            </a:r>
+            <a:endParaRPr lang="en-US" sz="1600" b="1" dirty="0">
+              <a:solidFill>
+                <a:schemeClr val="tx2">
+                  <a:lumMod val="10000"/>
+                </a:schemeClr>
+              </a:solidFill>
+            </a:endParaRPr>
           </a:p>
           <a:p>
             <a:pPr marL="228600" lvl="1" indent="-228600" defTabSz="1066800">
@@ -5149,7 +5340,7 @@
             </a:r>
             <a:r>
               <a:rPr lang="ru-RU" sz="2800" b="1" dirty="0"/>
-              <a:t>и распределение обязанностей</a:t>
+              <a:t>и распределение ролей в команде</a:t>
             </a:r>
             <a:endParaRPr lang="ru-RU" b="1" dirty="0"/>
           </a:p>
@@ -5345,7 +5536,7 @@
                   </a:schemeClr>
                 </a:solidFill>
               </a:rPr>
-              <a:t>Капитан</a:t>
+              <a:t>Руководитель</a:t>
             </a:r>
           </a:p>
           <a:p>
@@ -5392,14 +5583,14 @@
               <a:t> модель </a:t>
             </a:r>
             <a:r>
-              <a:rPr lang="ru-RU" sz="1600" b="1" dirty="0" err="1">
+              <a:rPr lang="en-US" sz="1600" b="1" dirty="0" err="1">
                 <a:solidFill>
                   <a:schemeClr val="tx2">
                     <a:lumMod val="10000"/>
                   </a:schemeClr>
                 </a:solidFill>
               </a:rPr>
-              <a:t>кубсата</a:t>
+              <a:t>Cubesat</a:t>
             </a:r>
             <a:endParaRPr lang="ru-RU" sz="1600" b="1" dirty="0">
               <a:solidFill>
@@ -6344,14 +6535,14 @@
               <a:t>Жизненный цикл </a:t>
             </a:r>
             <a:r>
-              <a:rPr lang="ru-RU" sz="1600" b="1" kern="1200" dirty="0" err="1">
+              <a:rPr lang="ru-RU" sz="1600" b="1" dirty="0">
                 <a:solidFill>
                   <a:schemeClr val="tx2">
                     <a:lumMod val="10000"/>
                   </a:schemeClr>
                 </a:solidFill>
               </a:rPr>
-              <a:t>кубсата</a:t>
+              <a:t>аппарата</a:t>
             </a:r>
             <a:endParaRPr lang="ru-RU" sz="1600" b="1" kern="1200" dirty="0">
               <a:solidFill>
@@ -6749,7 +6940,15 @@
             </a:pPr>
             <a:r>
               <a:rPr lang="ru-RU" dirty="0"/>
-              <a:t> Изучить этапы производства и проектирования кубсатов, проделать научно-технический анализ.</a:t>
+              <a:t> Изучить этапы производства и проектирования </a:t>
+            </a:r>
+            <a:r>
+              <a:rPr lang="en-US" dirty="0" err="1"/>
+              <a:t>Cubesat</a:t>
+            </a:r>
+            <a:r>
+              <a:rPr lang="ru-RU" dirty="0"/>
+              <a:t>, провести научно-технический анализ.</a:t>
             </a:r>
           </a:p>
         </p:txBody>
@@ -7030,7 +7229,7 @@
           <a:p>
             <a:r>
               <a:rPr lang="ru-RU" dirty="0"/>
-              <a:t>Выяснить наиболее перспективные технологии производства и описать их на основе физических процессов, лежащих в их основе.</a:t>
+              <a:t>Определить наиболее перспективные технологии производства и описать их на основе физических процессов, лежащих в их основе.</a:t>
             </a:r>
           </a:p>
           <a:p>
@@ -7072,13 +7271,13 @@
           <a:p>
             <a:r>
               <a:rPr lang="ru-RU" dirty="0"/>
-              <a:t>Описать жизненный цикл спутник.</a:t>
+              <a:t>Описать жизненный цикл спутника.</a:t>
             </a:r>
           </a:p>
           <a:p>
             <a:r>
               <a:rPr lang="ru-RU" dirty="0"/>
-              <a:t>Проделать технический анализ на основе Сколково.</a:t>
+              <a:t>Провести технический анализ на основе Сколково.</a:t>
             </a:r>
           </a:p>
         </p:txBody>
@@ -7187,29 +7386,6 @@
       </p:grpSpPr>
       <p:sp>
         <p:nvSpPr>
-          <p:cNvPr id="5" name="Рисунок 4">
-            <a:extLst>
-              <a:ext uri="{FF2B5EF4-FFF2-40B4-BE49-F238E27FC236}">
-                <a16:creationId xmlns:a16="http://schemas.microsoft.com/office/drawing/2014/main" id="{2A6AFE4A-6943-4B96-9094-2C804BEC22D5}"/>
-              </a:ext>
-            </a:extLst>
-          </p:cNvPr>
-          <p:cNvSpPr>
-            <a:spLocks noGrp="1"/>
-          </p:cNvSpPr>
-          <p:nvPr>
-            <p:ph type="pic" idx="1"/>
-          </p:nvPr>
-        </p:nvSpPr>
-        <p:spPr>
-          <a:xfrm>
-            <a:off x="6886500" y="1193304"/>
-            <a:ext cx="4753745" cy="4471392"/>
-          </a:xfrm>
-        </p:spPr>
-      </p:sp>
-      <p:sp>
-        <p:nvSpPr>
           <p:cNvPr id="4" name="Заголовок 3">
             <a:extLst>
               <a:ext uri="{FF2B5EF4-FFF2-40B4-BE49-F238E27FC236}">
@@ -7340,7 +7516,16 @@
               </a:rPr>
               <a:t>зачастую оснащены множеством бортовых компьютеров для проведения исследований, а также для управления ориентацией, подруливающими устройствами и коммуникациями. </a:t>
             </a:r>
-            <a:endParaRPr lang="en-US" sz="2200" i="0" dirty="0">
+          </a:p>
+          <a:p>
+            <a:pPr algn="l"/>
+            <a:r>
+              <a:rPr lang="ru-RU" sz="2200" i="1" dirty="0">
+                <a:cs typeface="Times New Roman" panose="02020603050405020304" pitchFamily="18" charset="0"/>
+              </a:rPr>
+              <a:t>Список компонентов</a:t>
+            </a:r>
+            <a:endParaRPr lang="en-US" sz="2200" i="1" dirty="0">
               <a:effectLst/>
               <a:cs typeface="Times New Roman" panose="02020603050405020304" pitchFamily="18" charset="0"/>
             </a:endParaRPr>
@@ -7348,129 +7533,29 @@
           <a:p>
             <a:pPr algn="l"/>
             <a:r>
-              <a:rPr lang="ru-RU" sz="2200" i="0" dirty="0">
-                <a:effectLst/>
-                <a:cs typeface="Times New Roman" panose="02020603050405020304" pitchFamily="18" charset="0"/>
-              </a:rPr>
-              <a:t>Миниатюрные компоненты</a:t>
-            </a:r>
-            <a:r>
               <a:rPr lang="ru-RU" sz="2200" b="0" i="0" dirty="0">
                 <a:effectLst/>
                 <a:cs typeface="Times New Roman" panose="02020603050405020304" pitchFamily="18" charset="0"/>
               </a:rPr>
-              <a:t>, обеспечивающие управление ориентацией, состоят из маховиков, движителей, звездных </a:t>
+              <a:t>Для связи </a:t>
             </a:r>
             <a:r>
               <a:rPr lang="ru-RU" sz="2200" b="0" i="0" dirty="0" err="1">
                 <a:effectLst/>
                 <a:cs typeface="Times New Roman" panose="02020603050405020304" pitchFamily="18" charset="0"/>
               </a:rPr>
-              <a:t>трекеров</a:t>
+              <a:t>кубсат</a:t>
             </a:r>
             <a:r>
               <a:rPr lang="ru-RU" sz="2200" b="0" i="0" dirty="0">
                 <a:effectLst/>
                 <a:cs typeface="Times New Roman" panose="02020603050405020304" pitchFamily="18" charset="0"/>
               </a:rPr>
-              <a:t>, датчиков Земли и Солнца, датчиков угловых скоростей, GPS-приемников и антенн. </a:t>
-            </a:r>
-            <a:endParaRPr lang="en-US" sz="2200" b="0" i="0" dirty="0">
-              <a:effectLst/>
-              <a:cs typeface="Times New Roman" panose="02020603050405020304" pitchFamily="18" charset="0"/>
-            </a:endParaRPr>
-          </a:p>
-          <a:p>
-            <a:pPr algn="l"/>
-            <a:r>
-              <a:rPr lang="ru-RU" sz="2200" b="0" i="0" dirty="0">
-                <a:effectLst/>
-                <a:cs typeface="Times New Roman" panose="02020603050405020304" pitchFamily="18" charset="0"/>
-              </a:rPr>
-              <a:t>Для связи </a:t>
-            </a:r>
-            <a:r>
-              <a:rPr lang="ru-RU" sz="2200" b="0" i="0" dirty="0" err="1">
-                <a:effectLst/>
-                <a:cs typeface="Times New Roman" panose="02020603050405020304" pitchFamily="18" charset="0"/>
-              </a:rPr>
-              <a:t>кубсат</a:t>
-            </a:r>
-            <a:r>
-              <a:rPr lang="ru-RU" sz="2200" b="0" i="0" dirty="0">
-                <a:effectLst/>
-                <a:cs typeface="Times New Roman" panose="02020603050405020304" pitchFamily="18" charset="0"/>
-              </a:rPr>
               <a:t> полагается на антенну, которая работает в VHF, UHF, L-, S-, C- или X-диапазонах.</a:t>
             </a:r>
           </a:p>
           <a:p>
             <a:endParaRPr lang="ru-RU" dirty="0"/>
-          </a:p>
-        </p:txBody>
-      </p:sp>
-      <p:sp>
-        <p:nvSpPr>
-          <p:cNvPr id="7" name="TextBox 6">
-            <a:extLst>
-              <a:ext uri="{FF2B5EF4-FFF2-40B4-BE49-F238E27FC236}">
-                <a16:creationId xmlns:a16="http://schemas.microsoft.com/office/drawing/2014/main" id="{33548D73-B745-4937-B8B0-44C32A4E5442}"/>
-              </a:ext>
-            </a:extLst>
-          </p:cNvPr>
-          <p:cNvSpPr txBox="1"/>
-          <p:nvPr/>
-        </p:nvSpPr>
-        <p:spPr>
-          <a:xfrm flipH="1">
-            <a:off x="7174531" y="1484784"/>
-            <a:ext cx="3024337" cy="2585323"/>
-          </a:xfrm>
-          <a:prstGeom prst="rect">
-            <a:avLst/>
-          </a:prstGeom>
-          <a:noFill/>
-        </p:spPr>
-        <p:txBody>
-          <a:bodyPr wrap="square" rtlCol="0">
-            <a:spAutoFit/>
-          </a:bodyPr>
-          <a:lstStyle/>
-          <a:p>
-            <a:r>
-              <a:rPr lang="ru-RU" dirty="0">
-                <a:solidFill>
-                  <a:srgbClr val="FF0000"/>
-                </a:solidFill>
-              </a:rPr>
-              <a:t>Внимание это просто инфа по строению, </a:t>
-            </a:r>
-            <a:r>
-              <a:rPr lang="ru-RU" dirty="0" err="1">
-                <a:solidFill>
-                  <a:srgbClr val="FF0000"/>
-                </a:solidFill>
-              </a:rPr>
-              <a:t>мб</a:t>
-            </a:r>
-            <a:r>
-              <a:rPr lang="ru-RU" dirty="0">
-                <a:solidFill>
-                  <a:srgbClr val="FF0000"/>
-                </a:solidFill>
-              </a:rPr>
-              <a:t> она не нужна. Ее тут много, поэтому это в пояснительную записку, а остальное сократить!!!!</a:t>
-            </a:r>
-          </a:p>
-          <a:p>
-            <a:r>
-              <a:rPr lang="ru-RU" dirty="0">
-                <a:solidFill>
-                  <a:srgbClr val="FF0000"/>
-                </a:solidFill>
-              </a:rPr>
-              <a:t>+ по картинке, вставь скрин 3д модели или схему чужую, что лучше</a:t>
-            </a:r>
           </a:p>
         </p:txBody>
       </p:sp>
@@ -7674,7 +7759,7 @@
                 <a:latin typeface="Helvetica" panose="020B0604020202020204" pitchFamily="34" charset="0"/>
                 <a:ea typeface="Calibri" panose="020F0502020204030204" pitchFamily="34" charset="0"/>
               </a:rPr>
-              <a:t>Изделие осторожно подводят со стороны поверхности, необходимой для обработки, к фрезеру, который в это время вращается.</a:t>
+              <a:t>Изделие осторожно подводят со стороны поверхности, необходимой для обработки к фрезеру, который в это время вращается.</a:t>
             </a:r>
             <a:endParaRPr lang="ru-RU" sz="2000" dirty="0">
               <a:latin typeface="Helvetica" panose="020B0604020202020204" pitchFamily="34" charset="0"/>
@@ -7845,147 +7930,6 @@
           </a:p>
         </p:txBody>
       </p:sp>
-      <p:sp>
-        <p:nvSpPr>
-          <p:cNvPr id="9" name="TextBox 8">
-            <a:extLst>
-              <a:ext uri="{FF2B5EF4-FFF2-40B4-BE49-F238E27FC236}">
-                <a16:creationId xmlns:a16="http://schemas.microsoft.com/office/drawing/2014/main" id="{B9238603-7A0F-452A-AD75-1B5DE673BD36}"/>
-              </a:ext>
-            </a:extLst>
-          </p:cNvPr>
-          <p:cNvSpPr txBox="1"/>
-          <p:nvPr/>
-        </p:nvSpPr>
-        <p:spPr>
-          <a:xfrm>
-            <a:off x="8038628" y="3782239"/>
-            <a:ext cx="3934151" cy="2585323"/>
-          </a:xfrm>
-          <a:prstGeom prst="rect">
-            <a:avLst/>
-          </a:prstGeom>
-          <a:noFill/>
-        </p:spPr>
-        <p:txBody>
-          <a:bodyPr wrap="square" rtlCol="0">
-            <a:spAutoFit/>
-          </a:bodyPr>
-          <a:lstStyle/>
-          <a:p>
-            <a:r>
-              <a:rPr lang="ru-RU" dirty="0">
-                <a:solidFill>
-                  <a:schemeClr val="accent5">
-                    <a:lumMod val="75000"/>
-                  </a:schemeClr>
-                </a:solidFill>
-              </a:rPr>
-              <a:t>В записке опиши </a:t>
-            </a:r>
-            <a:r>
-              <a:rPr lang="ru-RU" dirty="0" err="1">
-                <a:solidFill>
-                  <a:schemeClr val="accent5">
-                    <a:lumMod val="75000"/>
-                  </a:schemeClr>
-                </a:solidFill>
-              </a:rPr>
-              <a:t>типо</a:t>
-            </a:r>
-            <a:r>
-              <a:rPr lang="ru-RU" dirty="0">
-                <a:solidFill>
-                  <a:schemeClr val="accent5">
-                    <a:lumMod val="75000"/>
-                  </a:schemeClr>
-                </a:solidFill>
-              </a:rPr>
-              <a:t> мы рассмотрели различные виды технологий для производства деталей с экономической точки и физических процессов (здесь только </a:t>
-            </a:r>
-            <a:r>
-              <a:rPr lang="ru-RU" dirty="0" err="1">
-                <a:solidFill>
-                  <a:schemeClr val="accent5">
-                    <a:lumMod val="75000"/>
-                  </a:schemeClr>
-                </a:solidFill>
-              </a:rPr>
-              <a:t>физ</a:t>
-            </a:r>
-            <a:r>
-              <a:rPr lang="ru-RU" dirty="0">
-                <a:solidFill>
-                  <a:schemeClr val="accent5">
-                    <a:lumMod val="75000"/>
-                  </a:schemeClr>
-                </a:solidFill>
-              </a:rPr>
-              <a:t> точка, </a:t>
-            </a:r>
-            <a:r>
-              <a:rPr lang="ru-RU" dirty="0" err="1">
-                <a:solidFill>
-                  <a:schemeClr val="accent5">
-                    <a:lumMod val="75000"/>
-                  </a:schemeClr>
-                </a:solidFill>
-              </a:rPr>
-              <a:t>тк</a:t>
-            </a:r>
-            <a:r>
-              <a:rPr lang="ru-RU" dirty="0">
-                <a:solidFill>
-                  <a:schemeClr val="accent5">
-                    <a:lumMod val="75000"/>
-                  </a:schemeClr>
-                </a:solidFill>
-              </a:rPr>
-              <a:t> экономика у Евы + </a:t>
-            </a:r>
-            <a:r>
-              <a:rPr lang="ru-RU" dirty="0" err="1">
-                <a:solidFill>
-                  <a:schemeClr val="accent5">
-                    <a:lumMod val="75000"/>
-                  </a:schemeClr>
-                </a:solidFill>
-              </a:rPr>
-              <a:t>изфайла</a:t>
-            </a:r>
-            <a:r>
-              <a:rPr lang="ru-RU" dirty="0">
-                <a:solidFill>
-                  <a:schemeClr val="accent5">
-                    <a:lumMod val="75000"/>
-                  </a:schemeClr>
-                </a:solidFill>
-              </a:rPr>
-              <a:t> моего инфу в </a:t>
-            </a:r>
-            <a:r>
-              <a:rPr lang="ru-RU" dirty="0" err="1">
-                <a:solidFill>
-                  <a:schemeClr val="accent5">
-                    <a:lumMod val="75000"/>
-                  </a:schemeClr>
-                </a:solidFill>
-              </a:rPr>
-              <a:t>пояснялку</a:t>
-            </a:r>
-            <a:r>
-              <a:rPr lang="ru-RU" dirty="0">
-                <a:solidFill>
-                  <a:schemeClr val="accent5">
-                    <a:lumMod val="75000"/>
-                  </a:schemeClr>
-                </a:solidFill>
-              </a:rPr>
-              <a:t>, но с сокращением + если будем богатыми на слайды, то го разделим</a:t>
-            </a:r>
-          </a:p>
-        </p:txBody>
-      </p:sp>
     </p:spTree>
     <p:extLst>
       <p:ext uri="{BB962C8B-B14F-4D97-AF65-F5344CB8AC3E}">
@@ -8254,45 +8198,6 @@
           </a:p>
         </p:txBody>
       </p:sp>
-      <p:pic>
-        <p:nvPicPr>
-          <p:cNvPr id="5" name="Picture 6" descr="ОСНОВНЫЕ ЭТАПЫ ПРОИЗВОДСТВА ОТЛИВОК, Особенности конструирования отливок -  МАТЕРИАЛОВЕДЕНИЕ И ТЕХНОЛОГИЯ МАТЕРИАЛОВ">
-            <a:extLst>
-              <a:ext uri="{FF2B5EF4-FFF2-40B4-BE49-F238E27FC236}">
-                <a16:creationId xmlns:a16="http://schemas.microsoft.com/office/drawing/2014/main" id="{EBEDA8F8-E18E-4B33-9427-D47F1B46FDAB}"/>
-              </a:ext>
-            </a:extLst>
-          </p:cNvPr>
-          <p:cNvPicPr>
-            <a:picLocks noChangeAspect="1" noChangeArrowheads="1"/>
-          </p:cNvPicPr>
-          <p:nvPr/>
-        </p:nvPicPr>
-        <p:blipFill>
-          <a:blip r:embed="rId2" cstate="print">
-            <a:extLst>
-              <a:ext uri="{28A0092B-C50C-407E-A947-70E740481C1C}">
-                <a14:useLocalDpi xmlns:a14="http://schemas.microsoft.com/office/drawing/2010/main" val="0"/>
-              </a:ext>
-            </a:extLst>
-          </a:blip>
-          <a:stretch>
-            <a:fillRect/>
-          </a:stretch>
-        </p:blipFill>
-        <p:spPr bwMode="auto">
-          <a:xfrm>
-            <a:off x="7030516" y="2327335"/>
-            <a:ext cx="4599051" cy="4209593"/>
-          </a:xfrm>
-          <a:prstGeom prst="rect">
-            <a:avLst/>
-          </a:prstGeom>
-          <a:solidFill>
-            <a:srgbClr val="FFFFFF"/>
-          </a:solidFill>
-        </p:spPr>
-      </p:pic>
       <p:sp>
         <p:nvSpPr>
           <p:cNvPr id="6" name="Заголовок 4">
@@ -8342,147 +8247,42 @@
           </a:p>
         </p:txBody>
       </p:sp>
-      <p:sp>
-        <p:nvSpPr>
-          <p:cNvPr id="8" name="TextBox 7">
+      <p:pic>
+        <p:nvPicPr>
+          <p:cNvPr id="7" name="Рисунок 6">
             <a:extLst>
               <a:ext uri="{FF2B5EF4-FFF2-40B4-BE49-F238E27FC236}">
-                <a16:creationId xmlns:a16="http://schemas.microsoft.com/office/drawing/2014/main" id="{1BC5998F-74F5-4103-9017-C9B31B238F36}"/>
+                <a16:creationId xmlns:a16="http://schemas.microsoft.com/office/drawing/2014/main" id="{79E6B4B5-EDBE-4A6C-8B8C-BA2498DB6F1D}"/>
               </a:ext>
             </a:extLst>
           </p:cNvPr>
-          <p:cNvSpPr txBox="1"/>
+          <p:cNvPicPr>
+            <a:picLocks noChangeAspect="1"/>
+          </p:cNvPicPr>
           <p:nvPr/>
-        </p:nvSpPr>
+        </p:nvPicPr>
+        <p:blipFill>
+          <a:blip r:embed="rId2">
+            <a:extLst>
+              <a:ext uri="{28A0092B-C50C-407E-A947-70E740481C1C}">
+                <a14:useLocalDpi xmlns:a14="http://schemas.microsoft.com/office/drawing/2010/main" val="0"/>
+              </a:ext>
+            </a:extLst>
+          </a:blip>
+          <a:stretch>
+            <a:fillRect/>
+          </a:stretch>
+        </p:blipFill>
         <p:spPr>
           <a:xfrm>
-            <a:off x="6403494" y="3829134"/>
-            <a:ext cx="3934151" cy="2585323"/>
+            <a:off x="6694311" y="2596299"/>
+            <a:ext cx="4970959" cy="3573016"/>
           </a:xfrm>
           <a:prstGeom prst="rect">
             <a:avLst/>
           </a:prstGeom>
-          <a:noFill/>
         </p:spPr>
-        <p:txBody>
-          <a:bodyPr wrap="square" rtlCol="0">
-            <a:spAutoFit/>
-          </a:bodyPr>
-          <a:lstStyle/>
-          <a:p>
-            <a:r>
-              <a:rPr lang="ru-RU" dirty="0">
-                <a:solidFill>
-                  <a:schemeClr val="accent5">
-                    <a:lumMod val="75000"/>
-                  </a:schemeClr>
-                </a:solidFill>
-              </a:rPr>
-              <a:t>В записке опиши </a:t>
-            </a:r>
-            <a:r>
-              <a:rPr lang="ru-RU" dirty="0" err="1">
-                <a:solidFill>
-                  <a:schemeClr val="accent5">
-                    <a:lumMod val="75000"/>
-                  </a:schemeClr>
-                </a:solidFill>
-              </a:rPr>
-              <a:t>типо</a:t>
-            </a:r>
-            <a:r>
-              <a:rPr lang="ru-RU" dirty="0">
-                <a:solidFill>
-                  <a:schemeClr val="accent5">
-                    <a:lumMod val="75000"/>
-                  </a:schemeClr>
-                </a:solidFill>
-              </a:rPr>
-              <a:t> мы рассмотрели различные виды технологий для производства деталей с экономической точки и физических процессов (здесь только </a:t>
-            </a:r>
-            <a:r>
-              <a:rPr lang="ru-RU" dirty="0" err="1">
-                <a:solidFill>
-                  <a:schemeClr val="accent5">
-                    <a:lumMod val="75000"/>
-                  </a:schemeClr>
-                </a:solidFill>
-              </a:rPr>
-              <a:t>физ</a:t>
-            </a:r>
-            <a:r>
-              <a:rPr lang="ru-RU" dirty="0">
-                <a:solidFill>
-                  <a:schemeClr val="accent5">
-                    <a:lumMod val="75000"/>
-                  </a:schemeClr>
-                </a:solidFill>
-              </a:rPr>
-              <a:t> точка, </a:t>
-            </a:r>
-            <a:r>
-              <a:rPr lang="ru-RU" dirty="0" err="1">
-                <a:solidFill>
-                  <a:schemeClr val="accent5">
-                    <a:lumMod val="75000"/>
-                  </a:schemeClr>
-                </a:solidFill>
-              </a:rPr>
-              <a:t>тк</a:t>
-            </a:r>
-            <a:r>
-              <a:rPr lang="ru-RU" dirty="0">
-                <a:solidFill>
-                  <a:schemeClr val="accent5">
-                    <a:lumMod val="75000"/>
-                  </a:schemeClr>
-                </a:solidFill>
-              </a:rPr>
-              <a:t> экономика у Евы + </a:t>
-            </a:r>
-            <a:r>
-              <a:rPr lang="ru-RU" dirty="0" err="1">
-                <a:solidFill>
-                  <a:schemeClr val="accent5">
-                    <a:lumMod val="75000"/>
-                  </a:schemeClr>
-                </a:solidFill>
-              </a:rPr>
-              <a:t>изфайла</a:t>
-            </a:r>
-            <a:r>
-              <a:rPr lang="ru-RU" dirty="0">
-                <a:solidFill>
-                  <a:schemeClr val="accent5">
-                    <a:lumMod val="75000"/>
-                  </a:schemeClr>
-                </a:solidFill>
-              </a:rPr>
-              <a:t> моего инфу в </a:t>
-            </a:r>
-            <a:r>
-              <a:rPr lang="ru-RU" dirty="0" err="1">
-                <a:solidFill>
-                  <a:schemeClr val="accent5">
-                    <a:lumMod val="75000"/>
-                  </a:schemeClr>
-                </a:solidFill>
-              </a:rPr>
-              <a:t>пояснялку</a:t>
-            </a:r>
-            <a:r>
-              <a:rPr lang="ru-RU" dirty="0">
-                <a:solidFill>
-                  <a:schemeClr val="accent5">
-                    <a:lumMod val="75000"/>
-                  </a:schemeClr>
-                </a:solidFill>
-              </a:rPr>
-              <a:t>, но с сокращением + если будем богатыми на слайды, то го разделим</a:t>
-            </a:r>
-          </a:p>
-        </p:txBody>
-      </p:sp>
+      </p:pic>
     </p:spTree>
     <p:extLst>
       <p:ext uri="{BB962C8B-B14F-4D97-AF65-F5344CB8AC3E}">
@@ -8598,7 +8398,7 @@
         </p:spPr>
         <p:txBody>
           <a:bodyPr>
-            <a:normAutofit fontScale="85000" lnSpcReduction="10000"/>
+            <a:normAutofit/>
           </a:bodyPr>
           <a:lstStyle/>
           <a:p>
@@ -8696,18 +8496,18 @@
               <a:t>Совместимость</a:t>
             </a:r>
             <a:r>
-              <a:rPr lang="ru-RU" sz="1800" dirty="0">
+              <a:rPr lang="en-US" sz="1800" b="1" dirty="0">
                 <a:effectLst/>
                 <a:latin typeface="Arial" panose="020B0604020202020204" pitchFamily="34" charset="0"/>
                 <a:ea typeface="Times New Roman" panose="02020603050405020304" pitchFamily="18" charset="0"/>
                 <a:cs typeface="Times New Roman" panose="02020603050405020304" pitchFamily="18" charset="0"/>
               </a:rPr>
-              <a:t> – все устройства и машины должны уметь общаться друг с другом на одном языке посредством интернета вещей, т.е. они должны быть совместимы.</a:t>
-            </a:r>
-            <a:endParaRPr lang="ru-RU" sz="1800" dirty="0">
+              <a:t>;</a:t>
+            </a:r>
+            <a:endParaRPr lang="ru-RU" sz="1800" b="1" dirty="0">
               <a:effectLst/>
-              <a:latin typeface="Calibri" panose="020F0502020204030204" pitchFamily="34" charset="0"/>
-              <a:ea typeface="Calibri" panose="020F0502020204030204" pitchFamily="34" charset="0"/>
+              <a:latin typeface="Arial" panose="020B0604020202020204" pitchFamily="34" charset="0"/>
+              <a:ea typeface="Times New Roman" panose="02020603050405020304" pitchFamily="18" charset="0"/>
               <a:cs typeface="Times New Roman" panose="02020603050405020304" pitchFamily="18" charset="0"/>
             </a:endParaRPr>
           </a:p>
@@ -8739,18 +8539,18 @@
               <a:t>Прозрачность</a:t>
             </a:r>
             <a:r>
-              <a:rPr lang="ru-RU" sz="1800" dirty="0">
+              <a:rPr lang="en-US" sz="1800" b="1" dirty="0">
                 <a:effectLst/>
                 <a:latin typeface="Arial" panose="020B0604020202020204" pitchFamily="34" charset="0"/>
                 <a:ea typeface="Times New Roman" panose="02020603050405020304" pitchFamily="18" charset="0"/>
                 <a:cs typeface="Times New Roman" panose="02020603050405020304" pitchFamily="18" charset="0"/>
               </a:rPr>
-              <a:t> – создание цифровой копии продукта, сбор данных с микрочипов и датчиков посредством которых устройства общаются.</a:t>
-            </a:r>
-            <a:endParaRPr lang="ru-RU" sz="1800" dirty="0">
+              <a:t>;</a:t>
+            </a:r>
+            <a:endParaRPr lang="ru-RU" sz="1800" b="1" dirty="0">
               <a:effectLst/>
-              <a:latin typeface="Calibri" panose="020F0502020204030204" pitchFamily="34" charset="0"/>
-              <a:ea typeface="Calibri" panose="020F0502020204030204" pitchFamily="34" charset="0"/>
+              <a:latin typeface="Arial" panose="020B0604020202020204" pitchFamily="34" charset="0"/>
+              <a:ea typeface="Times New Roman" panose="02020603050405020304" pitchFamily="18" charset="0"/>
               <a:cs typeface="Times New Roman" panose="02020603050405020304" pitchFamily="18" charset="0"/>
             </a:endParaRPr>
           </a:p>
@@ -8782,18 +8582,18 @@
               <a:t>Техническая поддержка</a:t>
             </a:r>
             <a:r>
-              <a:rPr lang="ru-RU" sz="1800" dirty="0">
+              <a:rPr lang="en-US" sz="1800" b="1" dirty="0">
                 <a:effectLst/>
                 <a:latin typeface="Arial" panose="020B0604020202020204" pitchFamily="34" charset="0"/>
                 <a:ea typeface="Times New Roman" panose="02020603050405020304" pitchFamily="18" charset="0"/>
                 <a:cs typeface="Times New Roman" panose="02020603050405020304" pitchFamily="18" charset="0"/>
               </a:rPr>
-              <a:t> – программное обеспечение производит сбор, анализ, систематизацию, визуализацию данных, полученных с датчиков, и помогает человеку принимать решение или принимает их в автоматическом режиме, тем самым высвобождая человеческие ресурсы.</a:t>
-            </a:r>
-            <a:endParaRPr lang="ru-RU" sz="1800" dirty="0">
+              <a:t>;</a:t>
+            </a:r>
+            <a:endParaRPr lang="ru-RU" sz="1800" b="1" dirty="0">
               <a:effectLst/>
-              <a:latin typeface="Calibri" panose="020F0502020204030204" pitchFamily="34" charset="0"/>
-              <a:ea typeface="Calibri" panose="020F0502020204030204" pitchFamily="34" charset="0"/>
+              <a:latin typeface="Arial" panose="020B0604020202020204" pitchFamily="34" charset="0"/>
+              <a:ea typeface="Times New Roman" panose="02020603050405020304" pitchFamily="18" charset="0"/>
               <a:cs typeface="Times New Roman" panose="02020603050405020304" pitchFamily="18" charset="0"/>
             </a:endParaRPr>
           </a:p>
@@ -8825,40 +8625,14 @@
               <a:t>Децентрализация управленческих решений</a:t>
             </a:r>
             <a:r>
-              <a:rPr lang="ru-RU" sz="1800" dirty="0">
+              <a:rPr lang="en-US" sz="1800" b="1" dirty="0">
                 <a:effectLst/>
                 <a:latin typeface="Arial" panose="020B0604020202020204" pitchFamily="34" charset="0"/>
                 <a:ea typeface="Times New Roman" panose="02020603050405020304" pitchFamily="18" charset="0"/>
                 <a:cs typeface="Times New Roman" panose="02020603050405020304" pitchFamily="18" charset="0"/>
               </a:rPr>
-              <a:t>, автоматизация различных решений системами, максимально полное </a:t>
-            </a:r>
-            <a:r>
-              <a:rPr lang="ru-RU" sz="1800" dirty="0" err="1">
-                <a:effectLst/>
-                <a:latin typeface="Arial" panose="020B0604020202020204" pitchFamily="34" charset="0"/>
-                <a:ea typeface="Times New Roman" panose="02020603050405020304" pitchFamily="18" charset="0"/>
-                <a:cs typeface="Times New Roman" panose="02020603050405020304" pitchFamily="18" charset="0"/>
-              </a:rPr>
-              <a:t>человекозамещение</a:t>
-            </a:r>
-            <a:r>
-              <a:rPr lang="ru-RU" sz="1800" dirty="0">
-                <a:effectLst/>
-                <a:latin typeface="Arial" panose="020B0604020202020204" pitchFamily="34" charset="0"/>
-                <a:ea typeface="Times New Roman" panose="02020603050405020304" pitchFamily="18" charset="0"/>
-                <a:cs typeface="Times New Roman" panose="02020603050405020304" pitchFamily="18" charset="0"/>
-              </a:rPr>
-              <a:t>.</a:t>
-            </a:r>
-            <a:endParaRPr lang="ru-RU" sz="1800" dirty="0">
-              <a:effectLst/>
-              <a:latin typeface="Calibri" panose="020F0502020204030204" pitchFamily="34" charset="0"/>
-              <a:ea typeface="Calibri" panose="020F0502020204030204" pitchFamily="34" charset="0"/>
-              <a:cs typeface="Times New Roman" panose="02020603050405020304" pitchFamily="18" charset="0"/>
-            </a:endParaRPr>
-          </a:p>
-          <a:p>
+              <a:t>;</a:t>
+            </a:r>
             <a:endParaRPr lang="ru-RU" dirty="0"/>
           </a:p>
         </p:txBody>
@@ -8971,8 +8745,8 @@
         </p:nvSpPr>
         <p:spPr>
           <a:xfrm>
-            <a:off x="332556" y="1072278"/>
-            <a:ext cx="5949506" cy="1868781"/>
+            <a:off x="6907796" y="1405096"/>
+            <a:ext cx="5215494" cy="2165145"/>
           </a:xfrm>
           <a:prstGeom prst="rect">
             <a:avLst/>
@@ -9070,7 +8844,7 @@
         </p:nvSpPr>
         <p:spPr>
           <a:xfrm>
-            <a:off x="275786" y="3649174"/>
+            <a:off x="6907796" y="4014059"/>
             <a:ext cx="2880320" cy="1001236"/>
           </a:xfrm>
           <a:prstGeom prst="rect">
@@ -9161,7 +8935,7 @@
         </p:nvSpPr>
         <p:spPr>
           <a:xfrm>
-            <a:off x="3589385" y="3524379"/>
+            <a:off x="6907796" y="5250115"/>
             <a:ext cx="2880320" cy="1297599"/>
           </a:xfrm>
           <a:prstGeom prst="rect">
@@ -9260,8 +9034,8 @@
         </p:nvSpPr>
         <p:spPr>
           <a:xfrm>
-            <a:off x="686028" y="5339702"/>
-            <a:ext cx="5242562" cy="1001236"/>
+            <a:off x="676916" y="5600894"/>
+            <a:ext cx="4604113" cy="1001236"/>
           </a:xfrm>
           <a:prstGeom prst="rect">
             <a:avLst/>
@@ -9322,8 +9096,8 @@
         </p:nvSpPr>
         <p:spPr>
           <a:xfrm>
-            <a:off x="6742482" y="1044873"/>
-            <a:ext cx="3960438" cy="1297599"/>
+            <a:off x="642062" y="4014059"/>
+            <a:ext cx="3943416" cy="1297599"/>
           </a:xfrm>
           <a:prstGeom prst="rect">
             <a:avLst/>
@@ -9422,8 +9196,8 @@
         </p:nvSpPr>
         <p:spPr>
           <a:xfrm>
-            <a:off x="6649260" y="2712771"/>
-            <a:ext cx="5649499" cy="2483052"/>
+            <a:off x="642062" y="1246143"/>
+            <a:ext cx="5597868" cy="2483052"/>
           </a:xfrm>
           <a:prstGeom prst="rect">
             <a:avLst/>
@@ -9645,7 +9419,7 @@
         </p:nvSpPr>
         <p:spPr>
           <a:xfrm>
-            <a:off x="7111115" y="5550301"/>
+            <a:off x="7634391" y="169040"/>
             <a:ext cx="3544778" cy="1001236"/>
           </a:xfrm>
           <a:prstGeom prst="rect">
@@ -9713,366 +9487,6 @@
           </a:p>
         </p:txBody>
       </p:sp>
-      <p:sp>
-        <p:nvSpPr>
-          <p:cNvPr id="25" name="Стрелка: вниз 24">
-            <a:extLst>
-              <a:ext uri="{FF2B5EF4-FFF2-40B4-BE49-F238E27FC236}">
-                <a16:creationId xmlns:a16="http://schemas.microsoft.com/office/drawing/2014/main" id="{B7F46CEB-D2EB-4130-9CA8-51FDD31E827F}"/>
-              </a:ext>
-            </a:extLst>
-          </p:cNvPr>
-          <p:cNvSpPr/>
-          <p:nvPr/>
-        </p:nvSpPr>
-        <p:spPr>
-          <a:xfrm>
-            <a:off x="1525625" y="3123469"/>
-            <a:ext cx="295514" cy="361292"/>
-          </a:xfrm>
-          <a:prstGeom prst="downArrow">
-            <a:avLst/>
-          </a:prstGeom>
-        </p:spPr>
-        <p:style>
-          <a:lnRef idx="2">
-            <a:schemeClr val="accent1">
-              <a:shade val="50000"/>
-            </a:schemeClr>
-          </a:lnRef>
-          <a:fillRef idx="1">
-            <a:schemeClr val="accent1"/>
-          </a:fillRef>
-          <a:effectRef idx="0">
-            <a:schemeClr val="accent1"/>
-          </a:effectRef>
-          <a:fontRef idx="minor">
-            <a:schemeClr val="lt1"/>
-          </a:fontRef>
-        </p:style>
-        <p:txBody>
-          <a:bodyPr rtlCol="0" anchor="ctr"/>
-          <a:lstStyle/>
-          <a:p>
-            <a:pPr algn="ctr"/>
-            <a:endParaRPr lang="ru-RU"/>
-          </a:p>
-        </p:txBody>
-      </p:sp>
-      <p:sp>
-        <p:nvSpPr>
-          <p:cNvPr id="26" name="Стрелка: вправо 25">
-            <a:extLst>
-              <a:ext uri="{FF2B5EF4-FFF2-40B4-BE49-F238E27FC236}">
-                <a16:creationId xmlns:a16="http://schemas.microsoft.com/office/drawing/2014/main" id="{79669F80-857B-4619-B54C-DF6EE587D1B7}"/>
-              </a:ext>
-            </a:extLst>
-          </p:cNvPr>
-          <p:cNvSpPr/>
-          <p:nvPr/>
-        </p:nvSpPr>
-        <p:spPr>
-          <a:xfrm>
-            <a:off x="3127289" y="4029163"/>
-            <a:ext cx="360040" cy="288032"/>
-          </a:xfrm>
-          <a:prstGeom prst="rightArrow">
-            <a:avLst/>
-          </a:prstGeom>
-        </p:spPr>
-        <p:style>
-          <a:lnRef idx="2">
-            <a:schemeClr val="accent1">
-              <a:shade val="50000"/>
-            </a:schemeClr>
-          </a:lnRef>
-          <a:fillRef idx="1">
-            <a:schemeClr val="accent1"/>
-          </a:fillRef>
-          <a:effectRef idx="0">
-            <a:schemeClr val="accent1"/>
-          </a:effectRef>
-          <a:fontRef idx="minor">
-            <a:schemeClr val="lt1"/>
-          </a:fontRef>
-        </p:style>
-        <p:txBody>
-          <a:bodyPr rtlCol="0" anchor="ctr"/>
-          <a:lstStyle/>
-          <a:p>
-            <a:pPr algn="ctr"/>
-            <a:endParaRPr lang="ru-RU"/>
-          </a:p>
-        </p:txBody>
-      </p:sp>
-      <p:sp>
-        <p:nvSpPr>
-          <p:cNvPr id="27" name="Стрелка: вниз 26">
-            <a:extLst>
-              <a:ext uri="{FF2B5EF4-FFF2-40B4-BE49-F238E27FC236}">
-                <a16:creationId xmlns:a16="http://schemas.microsoft.com/office/drawing/2014/main" id="{80FDB5AC-5411-4C6D-850D-A476C9E861FA}"/>
-              </a:ext>
-            </a:extLst>
-          </p:cNvPr>
-          <p:cNvSpPr/>
-          <p:nvPr/>
-        </p:nvSpPr>
-        <p:spPr>
-          <a:xfrm>
-            <a:off x="4798075" y="4899937"/>
-            <a:ext cx="282807" cy="371710"/>
-          </a:xfrm>
-          <a:prstGeom prst="downArrow">
-            <a:avLst/>
-          </a:prstGeom>
-        </p:spPr>
-        <p:style>
-          <a:lnRef idx="2">
-            <a:schemeClr val="accent1">
-              <a:shade val="50000"/>
-            </a:schemeClr>
-          </a:lnRef>
-          <a:fillRef idx="1">
-            <a:schemeClr val="accent1"/>
-          </a:fillRef>
-          <a:effectRef idx="0">
-            <a:schemeClr val="accent1"/>
-          </a:effectRef>
-          <a:fontRef idx="minor">
-            <a:schemeClr val="lt1"/>
-          </a:fontRef>
-        </p:style>
-        <p:txBody>
-          <a:bodyPr rtlCol="0" anchor="ctr"/>
-          <a:lstStyle/>
-          <a:p>
-            <a:pPr algn="ctr"/>
-            <a:endParaRPr lang="ru-RU"/>
-          </a:p>
-        </p:txBody>
-      </p:sp>
-      <p:sp>
-        <p:nvSpPr>
-          <p:cNvPr id="28" name="Стрелка: вниз 27">
-            <a:extLst>
-              <a:ext uri="{FF2B5EF4-FFF2-40B4-BE49-F238E27FC236}">
-                <a16:creationId xmlns:a16="http://schemas.microsoft.com/office/drawing/2014/main" id="{00DAAA67-6E57-4257-9762-FE7762FE3DA2}"/>
-              </a:ext>
-            </a:extLst>
-          </p:cNvPr>
-          <p:cNvSpPr/>
-          <p:nvPr/>
-        </p:nvSpPr>
-        <p:spPr>
-          <a:xfrm>
-            <a:off x="3299600" y="6223642"/>
-            <a:ext cx="375458" cy="461864"/>
-          </a:xfrm>
-          <a:prstGeom prst="downArrow">
-            <a:avLst/>
-          </a:prstGeom>
-        </p:spPr>
-        <p:style>
-          <a:lnRef idx="2">
-            <a:schemeClr val="accent1">
-              <a:shade val="50000"/>
-            </a:schemeClr>
-          </a:lnRef>
-          <a:fillRef idx="1">
-            <a:schemeClr val="accent1"/>
-          </a:fillRef>
-          <a:effectRef idx="0">
-            <a:schemeClr val="accent1"/>
-          </a:effectRef>
-          <a:fontRef idx="minor">
-            <a:schemeClr val="lt1"/>
-          </a:fontRef>
-        </p:style>
-        <p:txBody>
-          <a:bodyPr rtlCol="0" anchor="ctr"/>
-          <a:lstStyle/>
-          <a:p>
-            <a:pPr algn="ctr"/>
-            <a:endParaRPr lang="ru-RU"/>
-          </a:p>
-        </p:txBody>
-      </p:sp>
-      <p:sp>
-        <p:nvSpPr>
-          <p:cNvPr id="29" name="Стрелка: вниз 28">
-            <a:extLst>
-              <a:ext uri="{FF2B5EF4-FFF2-40B4-BE49-F238E27FC236}">
-                <a16:creationId xmlns:a16="http://schemas.microsoft.com/office/drawing/2014/main" id="{03D32816-7E83-4085-8181-0399C02F2632}"/>
-              </a:ext>
-            </a:extLst>
-          </p:cNvPr>
-          <p:cNvSpPr/>
-          <p:nvPr/>
-        </p:nvSpPr>
-        <p:spPr>
-          <a:xfrm>
-            <a:off x="8560453" y="396228"/>
-            <a:ext cx="324497" cy="465996"/>
-          </a:xfrm>
-          <a:prstGeom prst="downArrow">
-            <a:avLst/>
-          </a:prstGeom>
-        </p:spPr>
-        <p:style>
-          <a:lnRef idx="2">
-            <a:schemeClr val="accent1">
-              <a:shade val="50000"/>
-            </a:schemeClr>
-          </a:lnRef>
-          <a:fillRef idx="1">
-            <a:schemeClr val="accent1"/>
-          </a:fillRef>
-          <a:effectRef idx="0">
-            <a:schemeClr val="accent1"/>
-          </a:effectRef>
-          <a:fontRef idx="minor">
-            <a:schemeClr val="lt1"/>
-          </a:fontRef>
-        </p:style>
-        <p:txBody>
-          <a:bodyPr rtlCol="0" anchor="ctr"/>
-          <a:lstStyle/>
-          <a:p>
-            <a:pPr algn="ctr"/>
-            <a:endParaRPr lang="ru-RU"/>
-          </a:p>
-        </p:txBody>
-      </p:sp>
-      <p:sp>
-        <p:nvSpPr>
-          <p:cNvPr id="30" name="Стрелка: вниз 29">
-            <a:extLst>
-              <a:ext uri="{FF2B5EF4-FFF2-40B4-BE49-F238E27FC236}">
-                <a16:creationId xmlns:a16="http://schemas.microsoft.com/office/drawing/2014/main" id="{34918F9E-70E6-4C52-A2AC-D24544A12C39}"/>
-              </a:ext>
-            </a:extLst>
-          </p:cNvPr>
-          <p:cNvSpPr/>
-          <p:nvPr/>
-        </p:nvSpPr>
-        <p:spPr>
-          <a:xfrm>
-            <a:off x="8480651" y="2455881"/>
-            <a:ext cx="404299" cy="401385"/>
-          </a:xfrm>
-          <a:prstGeom prst="downArrow">
-            <a:avLst/>
-          </a:prstGeom>
-        </p:spPr>
-        <p:style>
-          <a:lnRef idx="2">
-            <a:schemeClr val="accent1">
-              <a:shade val="50000"/>
-            </a:schemeClr>
-          </a:lnRef>
-          <a:fillRef idx="1">
-            <a:schemeClr val="accent1"/>
-          </a:fillRef>
-          <a:effectRef idx="0">
-            <a:schemeClr val="accent1"/>
-          </a:effectRef>
-          <a:fontRef idx="minor">
-            <a:schemeClr val="lt1"/>
-          </a:fontRef>
-        </p:style>
-        <p:txBody>
-          <a:bodyPr rtlCol="0" anchor="ctr"/>
-          <a:lstStyle/>
-          <a:p>
-            <a:pPr algn="ctr"/>
-            <a:endParaRPr lang="ru-RU"/>
-          </a:p>
-        </p:txBody>
-      </p:sp>
-      <p:sp>
-        <p:nvSpPr>
-          <p:cNvPr id="32" name="Стрелка: вниз 31">
-            <a:extLst>
-              <a:ext uri="{FF2B5EF4-FFF2-40B4-BE49-F238E27FC236}">
-                <a16:creationId xmlns:a16="http://schemas.microsoft.com/office/drawing/2014/main" id="{F7C61D2B-833F-4ED2-B07F-B5E4F20EC8CF}"/>
-              </a:ext>
-            </a:extLst>
-          </p:cNvPr>
-          <p:cNvSpPr/>
-          <p:nvPr/>
-        </p:nvSpPr>
-        <p:spPr>
-          <a:xfrm>
-            <a:off x="8682800" y="4941169"/>
-            <a:ext cx="401408" cy="511544"/>
-          </a:xfrm>
-          <a:prstGeom prst="downArrow">
-            <a:avLst/>
-          </a:prstGeom>
-        </p:spPr>
-        <p:style>
-          <a:lnRef idx="2">
-            <a:schemeClr val="accent1">
-              <a:shade val="50000"/>
-            </a:schemeClr>
-          </a:lnRef>
-          <a:fillRef idx="1">
-            <a:schemeClr val="accent1"/>
-          </a:fillRef>
-          <a:effectRef idx="0">
-            <a:schemeClr val="accent1"/>
-          </a:effectRef>
-          <a:fontRef idx="minor">
-            <a:schemeClr val="lt1"/>
-          </a:fontRef>
-        </p:style>
-        <p:txBody>
-          <a:bodyPr rtlCol="0" anchor="ctr"/>
-          <a:lstStyle/>
-          <a:p>
-            <a:pPr algn="ctr"/>
-            <a:endParaRPr lang="ru-RU"/>
-          </a:p>
-        </p:txBody>
-      </p:sp>
-      <p:cxnSp>
-        <p:nvCxnSpPr>
-          <p:cNvPr id="3" name="Прямая со стрелкой 2">
-            <a:extLst>
-              <a:ext uri="{FF2B5EF4-FFF2-40B4-BE49-F238E27FC236}">
-                <a16:creationId xmlns:a16="http://schemas.microsoft.com/office/drawing/2014/main" id="{E866286D-A074-504E-B37B-21371D93D1A9}"/>
-              </a:ext>
-            </a:extLst>
-          </p:cNvPr>
-          <p:cNvCxnSpPr>
-            <a:cxnSpLocks/>
-          </p:cNvCxnSpPr>
-          <p:nvPr/>
-        </p:nvCxnSpPr>
-        <p:spPr>
-          <a:xfrm>
-            <a:off x="6379639" y="1206440"/>
-            <a:ext cx="0" cy="5168924"/>
-          </a:xfrm>
-          <a:prstGeom prst="straightConnector1">
-            <a:avLst/>
-          </a:prstGeom>
-        </p:spPr>
-        <p:style>
-          <a:lnRef idx="1">
-            <a:schemeClr val="accent1"/>
-          </a:lnRef>
-          <a:fillRef idx="0">
-            <a:schemeClr val="accent1"/>
-          </a:fillRef>
-          <a:effectRef idx="0">
-            <a:schemeClr val="accent1"/>
-          </a:effectRef>
-          <a:fontRef idx="minor">
-            <a:schemeClr val="tx1"/>
-          </a:fontRef>
-        </p:style>
-      </p:cxnSp>
       <p:sp>
         <p:nvSpPr>
           <p:cNvPr id="19" name="Заголовок 6">
@@ -10156,6 +9570,336 @@
               </a:rPr>
               <a:t> цикл кубсатов</a:t>
             </a:r>
+          </a:p>
+        </p:txBody>
+      </p:sp>
+      <p:sp>
+        <p:nvSpPr>
+          <p:cNvPr id="2" name="Стрелка: вниз 1">
+            <a:extLst>
+              <a:ext uri="{FF2B5EF4-FFF2-40B4-BE49-F238E27FC236}">
+                <a16:creationId xmlns:a16="http://schemas.microsoft.com/office/drawing/2014/main" id="{CF35A68F-D33C-4D91-AD41-A278ECA33310}"/>
+              </a:ext>
+            </a:extLst>
+          </p:cNvPr>
+          <p:cNvSpPr/>
+          <p:nvPr/>
+        </p:nvSpPr>
+        <p:spPr>
+          <a:xfrm>
+            <a:off x="9190756" y="3429000"/>
+            <a:ext cx="432048" cy="585059"/>
+          </a:xfrm>
+          <a:prstGeom prst="downArrow">
+            <a:avLst/>
+          </a:prstGeom>
+        </p:spPr>
+        <p:style>
+          <a:lnRef idx="2">
+            <a:schemeClr val="accent1">
+              <a:shade val="50000"/>
+            </a:schemeClr>
+          </a:lnRef>
+          <a:fillRef idx="1">
+            <a:schemeClr val="accent1"/>
+          </a:fillRef>
+          <a:effectRef idx="0">
+            <a:schemeClr val="accent1"/>
+          </a:effectRef>
+          <a:fontRef idx="minor">
+            <a:schemeClr val="lt1"/>
+          </a:fontRef>
+        </p:style>
+        <p:txBody>
+          <a:bodyPr rtlCol="0" anchor="ctr"/>
+          <a:lstStyle/>
+          <a:p>
+            <a:pPr algn="ctr"/>
+            <a:endParaRPr lang="ru-RU"/>
+          </a:p>
+        </p:txBody>
+      </p:sp>
+      <p:sp>
+        <p:nvSpPr>
+          <p:cNvPr id="21" name="Стрелка: вниз 20">
+            <a:extLst>
+              <a:ext uri="{FF2B5EF4-FFF2-40B4-BE49-F238E27FC236}">
+                <a16:creationId xmlns:a16="http://schemas.microsoft.com/office/drawing/2014/main" id="{1A5D138D-9975-4068-8F9E-418CEA5E1199}"/>
+              </a:ext>
+            </a:extLst>
+          </p:cNvPr>
+          <p:cNvSpPr/>
+          <p:nvPr/>
+        </p:nvSpPr>
+        <p:spPr>
+          <a:xfrm>
+            <a:off x="9190756" y="4874054"/>
+            <a:ext cx="432048" cy="585059"/>
+          </a:xfrm>
+          <a:prstGeom prst="downArrow">
+            <a:avLst/>
+          </a:prstGeom>
+        </p:spPr>
+        <p:style>
+          <a:lnRef idx="2">
+            <a:schemeClr val="accent1">
+              <a:shade val="50000"/>
+            </a:schemeClr>
+          </a:lnRef>
+          <a:fillRef idx="1">
+            <a:schemeClr val="accent1"/>
+          </a:fillRef>
+          <a:effectRef idx="0">
+            <a:schemeClr val="accent1"/>
+          </a:effectRef>
+          <a:fontRef idx="minor">
+            <a:schemeClr val="lt1"/>
+          </a:fontRef>
+        </p:style>
+        <p:txBody>
+          <a:bodyPr rtlCol="0" anchor="ctr"/>
+          <a:lstStyle/>
+          <a:p>
+            <a:pPr algn="ctr"/>
+            <a:endParaRPr lang="ru-RU"/>
+          </a:p>
+        </p:txBody>
+      </p:sp>
+      <p:sp>
+        <p:nvSpPr>
+          <p:cNvPr id="23" name="Стрелка: вниз 22">
+            <a:extLst>
+              <a:ext uri="{FF2B5EF4-FFF2-40B4-BE49-F238E27FC236}">
+                <a16:creationId xmlns:a16="http://schemas.microsoft.com/office/drawing/2014/main" id="{D5B40756-CD13-485A-AB3A-AABADFC5819F}"/>
+              </a:ext>
+            </a:extLst>
+          </p:cNvPr>
+          <p:cNvSpPr/>
+          <p:nvPr/>
+        </p:nvSpPr>
+        <p:spPr>
+          <a:xfrm rot="5400000">
+            <a:off x="5878387" y="5790676"/>
+            <a:ext cx="432048" cy="585059"/>
+          </a:xfrm>
+          <a:prstGeom prst="downArrow">
+            <a:avLst/>
+          </a:prstGeom>
+        </p:spPr>
+        <p:style>
+          <a:lnRef idx="2">
+            <a:schemeClr val="accent1">
+              <a:shade val="50000"/>
+            </a:schemeClr>
+          </a:lnRef>
+          <a:fillRef idx="1">
+            <a:schemeClr val="accent1"/>
+          </a:fillRef>
+          <a:effectRef idx="0">
+            <a:schemeClr val="accent1"/>
+          </a:effectRef>
+          <a:fontRef idx="minor">
+            <a:schemeClr val="lt1"/>
+          </a:fontRef>
+        </p:style>
+        <p:txBody>
+          <a:bodyPr rtlCol="0" anchor="ctr"/>
+          <a:lstStyle/>
+          <a:p>
+            <a:pPr algn="ctr"/>
+            <a:endParaRPr lang="ru-RU"/>
+          </a:p>
+        </p:txBody>
+      </p:sp>
+      <p:sp>
+        <p:nvSpPr>
+          <p:cNvPr id="31" name="Стрелка: вниз 30">
+            <a:extLst>
+              <a:ext uri="{FF2B5EF4-FFF2-40B4-BE49-F238E27FC236}">
+                <a16:creationId xmlns:a16="http://schemas.microsoft.com/office/drawing/2014/main" id="{B11B0C9E-CEE2-4123-B338-1DB652BA4A5C}"/>
+              </a:ext>
+            </a:extLst>
+          </p:cNvPr>
+          <p:cNvSpPr/>
+          <p:nvPr/>
+        </p:nvSpPr>
+        <p:spPr>
+          <a:xfrm rot="10800000">
+            <a:off x="3299306" y="4957585"/>
+            <a:ext cx="432048" cy="585059"/>
+          </a:xfrm>
+          <a:prstGeom prst="downArrow">
+            <a:avLst/>
+          </a:prstGeom>
+        </p:spPr>
+        <p:style>
+          <a:lnRef idx="2">
+            <a:schemeClr val="accent1">
+              <a:shade val="50000"/>
+            </a:schemeClr>
+          </a:lnRef>
+          <a:fillRef idx="1">
+            <a:schemeClr val="accent1"/>
+          </a:fillRef>
+          <a:effectRef idx="0">
+            <a:schemeClr val="accent1"/>
+          </a:effectRef>
+          <a:fontRef idx="minor">
+            <a:schemeClr val="lt1"/>
+          </a:fontRef>
+        </p:style>
+        <p:txBody>
+          <a:bodyPr rtlCol="0" anchor="ctr"/>
+          <a:lstStyle/>
+          <a:p>
+            <a:pPr algn="ctr"/>
+            <a:endParaRPr lang="ru-RU"/>
+          </a:p>
+        </p:txBody>
+      </p:sp>
+      <p:sp>
+        <p:nvSpPr>
+          <p:cNvPr id="33" name="Стрелка: вниз 32">
+            <a:extLst>
+              <a:ext uri="{FF2B5EF4-FFF2-40B4-BE49-F238E27FC236}">
+                <a16:creationId xmlns:a16="http://schemas.microsoft.com/office/drawing/2014/main" id="{FA7CC6E9-3ABD-4A07-831C-718ED6B8A8E2}"/>
+              </a:ext>
+            </a:extLst>
+          </p:cNvPr>
+          <p:cNvSpPr/>
+          <p:nvPr/>
+        </p:nvSpPr>
+        <p:spPr>
+          <a:xfrm rot="10800000">
+            <a:off x="3224972" y="3436665"/>
+            <a:ext cx="432048" cy="585059"/>
+          </a:xfrm>
+          <a:prstGeom prst="downArrow">
+            <a:avLst/>
+          </a:prstGeom>
+        </p:spPr>
+        <p:style>
+          <a:lnRef idx="2">
+            <a:schemeClr val="accent1">
+              <a:shade val="50000"/>
+            </a:schemeClr>
+          </a:lnRef>
+          <a:fillRef idx="1">
+            <a:schemeClr val="accent1"/>
+          </a:fillRef>
+          <a:effectRef idx="0">
+            <a:schemeClr val="accent1"/>
+          </a:effectRef>
+          <a:fontRef idx="minor">
+            <a:schemeClr val="lt1"/>
+          </a:fontRef>
+        </p:style>
+        <p:txBody>
+          <a:bodyPr rtlCol="0" anchor="ctr"/>
+          <a:lstStyle/>
+          <a:p>
+            <a:pPr algn="ctr"/>
+            <a:endParaRPr lang="ru-RU"/>
+          </a:p>
+        </p:txBody>
+      </p:sp>
+      <p:sp>
+        <p:nvSpPr>
+          <p:cNvPr id="17" name="Полилиния: фигура 16">
+            <a:extLst>
+              <a:ext uri="{FF2B5EF4-FFF2-40B4-BE49-F238E27FC236}">
+                <a16:creationId xmlns:a16="http://schemas.microsoft.com/office/drawing/2014/main" id="{30F985F3-306C-4C4D-A179-B5B044FCA36B}"/>
+              </a:ext>
+            </a:extLst>
+          </p:cNvPr>
+          <p:cNvSpPr/>
+          <p:nvPr/>
+        </p:nvSpPr>
+        <p:spPr>
+          <a:xfrm>
+            <a:off x="5882640" y="731520"/>
+            <a:ext cx="1897380" cy="800100"/>
+          </a:xfrm>
+          <a:custGeom>
+            <a:avLst/>
+            <a:gdLst>
+              <a:gd name="connsiteX0" fmla="*/ 0 w 1897380"/>
+              <a:gd name="connsiteY0" fmla="*/ 800100 h 800100"/>
+              <a:gd name="connsiteX1" fmla="*/ 601980 w 1897380"/>
+              <a:gd name="connsiteY1" fmla="*/ 228600 h 800100"/>
+              <a:gd name="connsiteX2" fmla="*/ 1455420 w 1897380"/>
+              <a:gd name="connsiteY2" fmla="*/ 289560 h 800100"/>
+              <a:gd name="connsiteX3" fmla="*/ 1897380 w 1897380"/>
+              <a:gd name="connsiteY3" fmla="*/ 0 h 800100"/>
+            </a:gdLst>
+            <a:ahLst/>
+            <a:cxnLst>
+              <a:cxn ang="0">
+                <a:pos x="connsiteX0" y="connsiteY0"/>
+              </a:cxn>
+              <a:cxn ang="0">
+                <a:pos x="connsiteX1" y="connsiteY1"/>
+              </a:cxn>
+              <a:cxn ang="0">
+                <a:pos x="connsiteX2" y="connsiteY2"/>
+              </a:cxn>
+              <a:cxn ang="0">
+                <a:pos x="connsiteX3" y="connsiteY3"/>
+              </a:cxn>
+            </a:cxnLst>
+            <a:rect l="l" t="t" r="r" b="b"/>
+            <a:pathLst>
+              <a:path w="1897380" h="800100">
+                <a:moveTo>
+                  <a:pt x="0" y="800100"/>
+                </a:moveTo>
+                <a:cubicBezTo>
+                  <a:pt x="179705" y="556895"/>
+                  <a:pt x="359410" y="313690"/>
+                  <a:pt x="601980" y="228600"/>
+                </a:cubicBezTo>
+                <a:cubicBezTo>
+                  <a:pt x="844550" y="143510"/>
+                  <a:pt x="1239520" y="327660"/>
+                  <a:pt x="1455420" y="289560"/>
+                </a:cubicBezTo>
+                <a:cubicBezTo>
+                  <a:pt x="1671320" y="251460"/>
+                  <a:pt x="1784350" y="125730"/>
+                  <a:pt x="1897380" y="0"/>
+                </a:cubicBezTo>
+              </a:path>
+            </a:pathLst>
+          </a:custGeom>
+          <a:noFill/>
+          <a:ln w="57150">
+            <a:round/>
+            <a:headEnd w="sm" len="sm"/>
+            <a:tailEnd type="stealth" w="lg" len="lg"/>
+          </a:ln>
+        </p:spPr>
+        <p:style>
+          <a:lnRef idx="2">
+            <a:schemeClr val="accent1">
+              <a:shade val="50000"/>
+            </a:schemeClr>
+          </a:lnRef>
+          <a:fillRef idx="1">
+            <a:schemeClr val="accent1"/>
+          </a:fillRef>
+          <a:effectRef idx="0">
+            <a:schemeClr val="accent1"/>
+          </a:effectRef>
+          <a:fontRef idx="minor">
+            <a:schemeClr val="lt1"/>
+          </a:fontRef>
+        </p:style>
+        <p:txBody>
+          <a:bodyPr rtlCol="0" anchor="ctr"/>
+          <a:lstStyle/>
+          <a:p>
+            <a:pPr algn="ctr"/>
+            <a:endParaRPr lang="ru-RU"/>
           </a:p>
         </p:txBody>
       </p:sp>
@@ -10367,8 +10111,8 @@
         </p:nvSpPr>
         <p:spPr>
           <a:xfrm>
-            <a:off x="4282992" y="1256658"/>
-            <a:ext cx="2930817" cy="1231106"/>
+            <a:off x="4354189" y="1256658"/>
+            <a:ext cx="2930817" cy="1508105"/>
           </a:xfrm>
           <a:prstGeom prst="rect">
             <a:avLst/>
@@ -10391,7 +10135,7 @@
             </a:r>
             <a:r>
               <a:rPr lang="ru-RU" dirty="0"/>
-              <a:t>нельзя запустить плохой </a:t>
+              <a:t>нельзя запустить неисправный </a:t>
             </a:r>
             <a:r>
               <a:rPr lang="ru-RU" sz="2000" dirty="0"/>
@@ -10688,8 +10432,8 @@
         </p:nvSpPr>
         <p:spPr>
           <a:xfrm>
-            <a:off x="7766471" y="5418433"/>
-            <a:ext cx="4416552" cy="394730"/>
+            <a:off x="7766470" y="5418432"/>
+            <a:ext cx="2811794" cy="1209965"/>
           </a:xfrm>
           <a:prstGeom prst="rect">
             <a:avLst/>
@@ -10886,7 +10630,7 @@
               <a:rPr lang="ru-RU" sz="1800" dirty="0">
                 <a:cs typeface="Calibri" panose="020F0502020204030204" pitchFamily="34" charset="0"/>
               </a:rPr>
-              <a:t>Все хорошо</a:t>
+              <a:t>Имеется все необходимое оборудование</a:t>
             </a:r>
           </a:p>
         </p:txBody>
@@ -11349,22 +11093,6 @@
                 <a:ea typeface="Calibri" panose="020F0502020204030204" pitchFamily="34" charset="0"/>
                 <a:cs typeface="Calibri" panose="020F0502020204030204" pitchFamily="34" charset="0"/>
               </a:rPr>
-              <a:t>Тестирования в вакууме;</a:t>
-            </a:r>
-          </a:p>
-          <a:p>
-            <a:pPr marL="342900" indent="-342900">
-              <a:lnSpc>
-                <a:spcPct val="107000"/>
-              </a:lnSpc>
-              <a:buFont typeface="Symbol" panose="05050102010706020507" pitchFamily="18" charset="2"/>
-              <a:buChar char=""/>
-            </a:pPr>
-            <a:r>
-              <a:rPr lang="ru-RU" sz="1800" dirty="0">
-                <a:ea typeface="Calibri" panose="020F0502020204030204" pitchFamily="34" charset="0"/>
-                <a:cs typeface="Calibri" panose="020F0502020204030204" pitchFamily="34" charset="0"/>
-              </a:rPr>
               <a:t>Тестирования ударом (падением)</a:t>
             </a:r>
           </a:p>
@@ -11417,8 +11145,8 @@
         </p:blipFill>
         <p:spPr>
           <a:xfrm>
-            <a:off x="9640431" y="4981262"/>
-            <a:ext cx="1625525" cy="1217031"/>
+            <a:off x="10043405" y="5153244"/>
+            <a:ext cx="1970286" cy="1475154"/>
           </a:xfrm>
           <a:prstGeom prst="rect">
             <a:avLst/>
@@ -12374,12 +12102,21 @@
 </file>
 
 <file path=customXml/item1.xml><?xml version="1.0" encoding="utf-8"?>
+<?mso-contentType ?>
+<FormTemplates xmlns="http://schemas.microsoft.com/sharepoint/v3/contenttype/forms">
+  <Display>DocumentLibraryForm</Display>
+  <Edit>DocumentLibraryForm</Edit>
+  <New>DocumentLibraryForm</New>
+</FormTemplates>
+</file>
+
+<file path=customXml/item2.xml><?xml version="1.0" encoding="utf-8"?>
 <p:properties xmlns:p="http://schemas.microsoft.com/office/2006/metadata/properties" xmlns:xsi="http://www.w3.org/2001/XMLSchema-instance" xmlns:pc="http://schemas.microsoft.com/office/infopath/2007/PartnerControls">
   <documentManagement/>
 </p:properties>
 </file>
 
-<file path=customXml/item2.xml><?xml version="1.0" encoding="utf-8"?>
+<file path=customXml/item3.xml><?xml version="1.0" encoding="utf-8"?>
 <ct:contentTypeSchema xmlns:ct="http://schemas.microsoft.com/office/2006/metadata/contentType" xmlns:ma="http://schemas.microsoft.com/office/2006/metadata/properties/metaAttributes" ct:_="" ma:_="" ma:contentTypeName="Документ" ma:contentTypeID="0x010100F4FF3092D12AC943971D26435296FC95" ma:contentTypeVersion="9" ma:contentTypeDescription="Создание документа." ma:contentTypeScope="" ma:versionID="8e2bbf4e35dd4d9b2232d6394d5a2fff">
   <xsd:schema xmlns:xsd="http://www.w3.org/2001/XMLSchema" xmlns:xs="http://www.w3.org/2001/XMLSchema" xmlns:p="http://schemas.microsoft.com/office/2006/metadata/properties" xmlns:ns3="ca6607e2-083d-4042-af29-c7c032289ca2" xmlns:ns4="fceb37ad-7f37-4daf-93a6-a2c728b6986e" targetNamespace="http://schemas.microsoft.com/office/2006/metadata/properties" ma:root="true" ma:fieldsID="99e2ab59f6cb691133abeaa1e2abdc98" ns3:_="" ns4:_="">
     <xsd:import namespace="ca6607e2-083d-4042-af29-c7c032289ca2"/>
@@ -12576,16 +12313,15 @@
 </ct:contentTypeSchema>
 </file>
 
-<file path=customXml/item3.xml><?xml version="1.0" encoding="utf-8"?>
-<?mso-contentType ?>
-<FormTemplates xmlns="http://schemas.microsoft.com/sharepoint/v3/contenttype/forms">
-  <Display>DocumentLibraryForm</Display>
-  <Edit>DocumentLibraryForm</Edit>
-  <New>DocumentLibraryForm</New>
-</FormTemplates>
+<file path=customXml/itemProps1.xml><?xml version="1.0" encoding="utf-8"?>
+<ds:datastoreItem xmlns:ds="http://schemas.openxmlformats.org/officeDocument/2006/customXml" ds:itemID="{43C8B125-8A78-4D7B-AD30-BB08AA5B084F}">
+  <ds:schemaRefs>
+    <ds:schemaRef ds:uri="http://schemas.microsoft.com/sharepoint/v3/contenttype/forms"/>
+  </ds:schemaRefs>
+</ds:datastoreItem>
 </file>
 
-<file path=customXml/itemProps1.xml><?xml version="1.0" encoding="utf-8"?>
+<file path=customXml/itemProps2.xml><?xml version="1.0" encoding="utf-8"?>
 <ds:datastoreItem xmlns:ds="http://schemas.openxmlformats.org/officeDocument/2006/customXml" ds:itemID="{00E41224-0370-4595-877C-23316CD80004}">
   <ds:schemaRefs>
     <ds:schemaRef ds:uri="http://schemas.microsoft.com/office/infopath/2007/PartnerControls"/>
@@ -12602,7 +12338,7 @@
 </ds:datastoreItem>
 </file>
 
-<file path=customXml/itemProps2.xml><?xml version="1.0" encoding="utf-8"?>
+<file path=customXml/itemProps3.xml><?xml version="1.0" encoding="utf-8"?>
 <ds:datastoreItem xmlns:ds="http://schemas.openxmlformats.org/officeDocument/2006/customXml" ds:itemID="{1B05F93D-CECF-4255-81DD-358A4B53A06B}">
   <ds:schemaRefs>
     <ds:schemaRef ds:uri="http://schemas.microsoft.com/office/2006/metadata/contentType"/>
@@ -12619,12 +12355,4 @@
     <ds:schemaRef ds:uri="http://schemas.microsoft.com/internal/obd"/>
   </ds:schemaRefs>
 </ds:datastoreItem>
-</file>
-
-<file path=customXml/itemProps3.xml><?xml version="1.0" encoding="utf-8"?>
-<ds:datastoreItem xmlns:ds="http://schemas.openxmlformats.org/officeDocument/2006/customXml" ds:itemID="{43C8B125-8A78-4D7B-AD30-BB08AA5B084F}">
-  <ds:schemaRefs>
-    <ds:schemaRef ds:uri="http://schemas.microsoft.com/sharepoint/v3/contenttype/forms"/>
-  </ds:schemaRefs>
-</ds:datastoreItem>
 </file>